--- a/data/G7/4.pptx
+++ b/data/G7/4.pptx
@@ -3342,10 +3342,10 @@
       </p:grpSpPr>
       <p:sp>
         <p:nvSpPr>
-          <p:cNvPr id="2" name="文本框 1">
-            <a:extLst>
-              <a:ext uri="{FF2B5EF4-FFF2-40B4-BE49-F238E27FC236}">
-                <a16:creationId xmlns:a16="http://schemas.microsoft.com/office/drawing/2014/main" id="{DCB0FCD0-5D71-E042-99AF-165899D06E16}"/>
+          <p:cNvPr id="3" name="文本框 2">
+            <a:extLst>
+              <a:ext uri="{FF2B5EF4-FFF2-40B4-BE49-F238E27FC236}">
+                <a16:creationId xmlns:a16="http://schemas.microsoft.com/office/drawing/2014/main" id="{AF626BDC-071B-EA4C-B884-E1651B7BFB7F}"/>
               </a:ext>
             </a:extLst>
           </p:cNvPr>
@@ -3354,8 +3354,8 @@
         </p:nvSpPr>
         <p:spPr>
           <a:xfrm>
-            <a:off x="4876800" y="809297"/>
-            <a:ext cx="2957861" cy="923330"/>
+            <a:off x="1471448" y="2774731"/>
+            <a:ext cx="415498" cy="369332"/>
           </a:xfrm>
           <a:prstGeom prst="rect">
             <a:avLst/>
@@ -3370,21 +3370,367 @@
           <a:p>
             <a:r>
               <a:rPr lang="zh-CN" altLang="en-US" dirty="0"/>
-              <a:t>①②③④⑤⑥⑦⑧⑨⑩</a:t>
-            </a:r>
-            <a:br>
+              <a:t>①</a:t>
+            </a:r>
+            <a:endParaRPr kumimoji="1" lang="zh-CN" altLang="en-US" dirty="0"/>
+          </a:p>
+        </p:txBody>
+      </p:sp>
+      <p:sp>
+        <p:nvSpPr>
+          <p:cNvPr id="4" name="文本框 3">
+            <a:extLst>
+              <a:ext uri="{FF2B5EF4-FFF2-40B4-BE49-F238E27FC236}">
+                <a16:creationId xmlns:a16="http://schemas.microsoft.com/office/drawing/2014/main" id="{890766BE-4E6A-DE45-9A5E-257FDC29C74F}"/>
+              </a:ext>
+            </a:extLst>
+          </p:cNvPr>
+          <p:cNvSpPr txBox="1"/>
+          <p:nvPr/>
+        </p:nvSpPr>
+        <p:spPr>
+          <a:xfrm>
+            <a:off x="1355834" y="2959397"/>
+            <a:ext cx="415498" cy="369332"/>
+          </a:xfrm>
+          <a:prstGeom prst="rect">
+            <a:avLst/>
+          </a:prstGeom>
+          <a:noFill/>
+        </p:spPr>
+        <p:txBody>
+          <a:bodyPr wrap="none" rtlCol="0">
+            <a:spAutoFit/>
+          </a:bodyPr>
+          <a:lstStyle/>
+          <a:p>
+            <a:r>
               <a:rPr lang="zh-CN" altLang="en-US" dirty="0"/>
-            </a:br>
+              <a:t>②</a:t>
+            </a:r>
+            <a:endParaRPr kumimoji="1" lang="zh-CN" altLang="en-US" dirty="0"/>
+          </a:p>
+        </p:txBody>
+      </p:sp>
+      <p:sp>
+        <p:nvSpPr>
+          <p:cNvPr id="5" name="文本框 4">
+            <a:extLst>
+              <a:ext uri="{FF2B5EF4-FFF2-40B4-BE49-F238E27FC236}">
+                <a16:creationId xmlns:a16="http://schemas.microsoft.com/office/drawing/2014/main" id="{A7B45824-C29D-8344-8F2C-81614FADF4D3}"/>
+              </a:ext>
+            </a:extLst>
+          </p:cNvPr>
+          <p:cNvSpPr txBox="1"/>
+          <p:nvPr/>
+        </p:nvSpPr>
+        <p:spPr>
+          <a:xfrm>
+            <a:off x="620110" y="3552497"/>
+            <a:ext cx="415498" cy="369332"/>
+          </a:xfrm>
+          <a:prstGeom prst="rect">
+            <a:avLst/>
+          </a:prstGeom>
+          <a:noFill/>
+        </p:spPr>
+        <p:txBody>
+          <a:bodyPr wrap="none" rtlCol="0">
+            <a:spAutoFit/>
+          </a:bodyPr>
+          <a:lstStyle/>
+          <a:p>
             <a:r>
               <a:rPr lang="zh-CN" altLang="en-US" dirty="0"/>
-              <a:t>⑪⑫⑬⑭⑮⑯⑰⑱⑲⑳</a:t>
-            </a:r>
-            <a:br>
+              <a:t>④</a:t>
+            </a:r>
+            <a:endParaRPr kumimoji="1" lang="zh-CN" altLang="en-US" dirty="0"/>
+          </a:p>
+        </p:txBody>
+      </p:sp>
+      <p:sp>
+        <p:nvSpPr>
+          <p:cNvPr id="6" name="文本框 5">
+            <a:extLst>
+              <a:ext uri="{FF2B5EF4-FFF2-40B4-BE49-F238E27FC236}">
+                <a16:creationId xmlns:a16="http://schemas.microsoft.com/office/drawing/2014/main" id="{FD465715-1DA3-B84E-B35A-CB8FF6A1AB94}"/>
+              </a:ext>
+            </a:extLst>
+          </p:cNvPr>
+          <p:cNvSpPr txBox="1"/>
+          <p:nvPr/>
+        </p:nvSpPr>
+        <p:spPr>
+          <a:xfrm>
+            <a:off x="11067393" y="3563007"/>
+            <a:ext cx="415498" cy="369332"/>
+          </a:xfrm>
+          <a:prstGeom prst="rect">
+            <a:avLst/>
+          </a:prstGeom>
+          <a:noFill/>
+        </p:spPr>
+        <p:txBody>
+          <a:bodyPr wrap="none" rtlCol="0">
+            <a:spAutoFit/>
+          </a:bodyPr>
+          <a:lstStyle/>
+          <a:p>
+            <a:r>
               <a:rPr lang="zh-CN" altLang="en-US" dirty="0"/>
-            </a:br>
+              <a:t>⑤</a:t>
+            </a:r>
+            <a:endParaRPr kumimoji="1" lang="zh-CN" altLang="en-US" dirty="0"/>
+          </a:p>
+        </p:txBody>
+      </p:sp>
+      <p:sp>
+        <p:nvSpPr>
+          <p:cNvPr id="7" name="文本框 6">
+            <a:extLst>
+              <a:ext uri="{FF2B5EF4-FFF2-40B4-BE49-F238E27FC236}">
+                <a16:creationId xmlns:a16="http://schemas.microsoft.com/office/drawing/2014/main" id="{2F18A940-9258-F948-A624-E4A7F3AB0CCD}"/>
+              </a:ext>
+            </a:extLst>
+          </p:cNvPr>
+          <p:cNvSpPr txBox="1"/>
+          <p:nvPr/>
+        </p:nvSpPr>
+        <p:spPr>
+          <a:xfrm>
+            <a:off x="620110" y="3932339"/>
+            <a:ext cx="415498" cy="369332"/>
+          </a:xfrm>
+          <a:prstGeom prst="rect">
+            <a:avLst/>
+          </a:prstGeom>
+          <a:noFill/>
+        </p:spPr>
+        <p:txBody>
+          <a:bodyPr wrap="none" rtlCol="0">
+            <a:spAutoFit/>
+          </a:bodyPr>
+          <a:lstStyle/>
+          <a:p>
             <a:r>
               <a:rPr lang="zh-CN" altLang="en-US" dirty="0"/>
-              <a:t>㉑㉒㉓㉔㉕㉖㉗㉘㉙㉚</a:t>
+              <a:t>⑥</a:t>
+            </a:r>
+            <a:endParaRPr kumimoji="1" lang="zh-CN" altLang="en-US" dirty="0"/>
+          </a:p>
+        </p:txBody>
+      </p:sp>
+      <p:sp>
+        <p:nvSpPr>
+          <p:cNvPr id="8" name="文本框 7">
+            <a:extLst>
+              <a:ext uri="{FF2B5EF4-FFF2-40B4-BE49-F238E27FC236}">
+                <a16:creationId xmlns:a16="http://schemas.microsoft.com/office/drawing/2014/main" id="{DF9E5F05-200A-D142-AD55-51422481B05E}"/>
+              </a:ext>
+            </a:extLst>
+          </p:cNvPr>
+          <p:cNvSpPr txBox="1"/>
+          <p:nvPr/>
+        </p:nvSpPr>
+        <p:spPr>
+          <a:xfrm>
+            <a:off x="8135007" y="3258207"/>
+            <a:ext cx="415498" cy="369332"/>
+          </a:xfrm>
+          <a:prstGeom prst="rect">
+            <a:avLst/>
+          </a:prstGeom>
+          <a:noFill/>
+        </p:spPr>
+        <p:txBody>
+          <a:bodyPr wrap="none" rtlCol="0">
+            <a:spAutoFit/>
+          </a:bodyPr>
+          <a:lstStyle/>
+          <a:p>
+            <a:r>
+              <a:rPr lang="zh-CN" altLang="en-US" dirty="0"/>
+              <a:t>⑦</a:t>
+            </a:r>
+            <a:endParaRPr kumimoji="1" lang="zh-CN" altLang="en-US" dirty="0"/>
+          </a:p>
+        </p:txBody>
+      </p:sp>
+      <p:sp>
+        <p:nvSpPr>
+          <p:cNvPr id="9" name="文本框 8">
+            <a:extLst>
+              <a:ext uri="{FF2B5EF4-FFF2-40B4-BE49-F238E27FC236}">
+                <a16:creationId xmlns:a16="http://schemas.microsoft.com/office/drawing/2014/main" id="{93E0D4A3-385E-F24A-97AD-CB3852ECEA65}"/>
+              </a:ext>
+            </a:extLst>
+          </p:cNvPr>
+          <p:cNvSpPr txBox="1"/>
+          <p:nvPr/>
+        </p:nvSpPr>
+        <p:spPr>
+          <a:xfrm>
+            <a:off x="10651895" y="809297"/>
+            <a:ext cx="415498" cy="369332"/>
+          </a:xfrm>
+          <a:prstGeom prst="rect">
+            <a:avLst/>
+          </a:prstGeom>
+          <a:noFill/>
+        </p:spPr>
+        <p:txBody>
+          <a:bodyPr wrap="none" rtlCol="0">
+            <a:spAutoFit/>
+          </a:bodyPr>
+          <a:lstStyle/>
+          <a:p>
+            <a:r>
+              <a:rPr lang="zh-CN" altLang="en-US" dirty="0"/>
+              <a:t>⑧</a:t>
+            </a:r>
+            <a:endParaRPr kumimoji="1" lang="zh-CN" altLang="en-US" dirty="0"/>
+          </a:p>
+        </p:txBody>
+      </p:sp>
+      <p:sp>
+        <p:nvSpPr>
+          <p:cNvPr id="10" name="文本框 9">
+            <a:extLst>
+              <a:ext uri="{FF2B5EF4-FFF2-40B4-BE49-F238E27FC236}">
+                <a16:creationId xmlns:a16="http://schemas.microsoft.com/office/drawing/2014/main" id="{3DEE42AE-6EE4-1546-A13F-212190D3E30D}"/>
+              </a:ext>
+            </a:extLst>
+          </p:cNvPr>
+          <p:cNvSpPr txBox="1"/>
+          <p:nvPr/>
+        </p:nvSpPr>
+        <p:spPr>
+          <a:xfrm>
+            <a:off x="11077903" y="3069021"/>
+            <a:ext cx="415498" cy="369332"/>
+          </a:xfrm>
+          <a:prstGeom prst="rect">
+            <a:avLst/>
+          </a:prstGeom>
+          <a:noFill/>
+        </p:spPr>
+        <p:txBody>
+          <a:bodyPr wrap="none" rtlCol="0">
+            <a:spAutoFit/>
+          </a:bodyPr>
+          <a:lstStyle/>
+          <a:p>
+            <a:r>
+              <a:rPr lang="zh-CN" altLang="en-US" dirty="0"/>
+              <a:t>⑨</a:t>
+            </a:r>
+            <a:endParaRPr kumimoji="1" lang="zh-CN" altLang="en-US" dirty="0"/>
+          </a:p>
+        </p:txBody>
+      </p:sp>
+      <p:sp>
+        <p:nvSpPr>
+          <p:cNvPr id="11" name="文本框 10">
+            <a:extLst>
+              <a:ext uri="{FF2B5EF4-FFF2-40B4-BE49-F238E27FC236}">
+                <a16:creationId xmlns:a16="http://schemas.microsoft.com/office/drawing/2014/main" id="{1D83708D-9A86-F940-9CDE-FBC7A6B2B1DE}"/>
+              </a:ext>
+            </a:extLst>
+          </p:cNvPr>
+          <p:cNvSpPr txBox="1"/>
+          <p:nvPr/>
+        </p:nvSpPr>
+        <p:spPr>
+          <a:xfrm>
+            <a:off x="2438400" y="5549462"/>
+            <a:ext cx="461986" cy="369332"/>
+          </a:xfrm>
+          <a:prstGeom prst="rect">
+            <a:avLst/>
+          </a:prstGeom>
+          <a:noFill/>
+        </p:spPr>
+        <p:txBody>
+          <a:bodyPr wrap="none" rtlCol="0">
+            <a:spAutoFit/>
+          </a:bodyPr>
+          <a:lstStyle/>
+          <a:p>
+            <a:r>
+              <a:rPr lang="zh-CN" altLang="en-US" dirty="0"/>
+              <a:t>⑪</a:t>
+            </a:r>
+            <a:endParaRPr kumimoji="1" lang="zh-CN" altLang="en-US" dirty="0"/>
+          </a:p>
+        </p:txBody>
+      </p:sp>
+      <p:sp>
+        <p:nvSpPr>
+          <p:cNvPr id="12" name="文本框 11">
+            <a:extLst>
+              <a:ext uri="{FF2B5EF4-FFF2-40B4-BE49-F238E27FC236}">
+                <a16:creationId xmlns:a16="http://schemas.microsoft.com/office/drawing/2014/main" id="{B13CFF76-81C7-254E-9B41-2E08DC64B83B}"/>
+              </a:ext>
+            </a:extLst>
+          </p:cNvPr>
+          <p:cNvSpPr txBox="1"/>
+          <p:nvPr/>
+        </p:nvSpPr>
+        <p:spPr>
+          <a:xfrm>
+            <a:off x="10836166" y="3244334"/>
+            <a:ext cx="461986" cy="369332"/>
+          </a:xfrm>
+          <a:prstGeom prst="rect">
+            <a:avLst/>
+          </a:prstGeom>
+          <a:noFill/>
+        </p:spPr>
+        <p:txBody>
+          <a:bodyPr wrap="none" rtlCol="0">
+            <a:spAutoFit/>
+          </a:bodyPr>
+          <a:lstStyle/>
+          <a:p>
+            <a:r>
+              <a:rPr lang="zh-CN" altLang="en-US" dirty="0"/>
+              <a:t>⑫</a:t>
+            </a:r>
+            <a:endParaRPr kumimoji="1" lang="zh-CN" altLang="en-US" dirty="0"/>
+          </a:p>
+        </p:txBody>
+      </p:sp>
+      <p:sp>
+        <p:nvSpPr>
+          <p:cNvPr id="13" name="文本框 12">
+            <a:extLst>
+              <a:ext uri="{FF2B5EF4-FFF2-40B4-BE49-F238E27FC236}">
+                <a16:creationId xmlns:a16="http://schemas.microsoft.com/office/drawing/2014/main" id="{762C356F-5240-2342-883C-35A2CAE5DB26}"/>
+              </a:ext>
+            </a:extLst>
+          </p:cNvPr>
+          <p:cNvSpPr txBox="1"/>
+          <p:nvPr/>
+        </p:nvSpPr>
+        <p:spPr>
+          <a:xfrm>
+            <a:off x="2438400" y="1086296"/>
+            <a:ext cx="461986" cy="369332"/>
+          </a:xfrm>
+          <a:prstGeom prst="rect">
+            <a:avLst/>
+          </a:prstGeom>
+          <a:noFill/>
+        </p:spPr>
+        <p:txBody>
+          <a:bodyPr wrap="none" rtlCol="0">
+            <a:spAutoFit/>
+          </a:bodyPr>
+          <a:lstStyle/>
+          <a:p>
+            <a:r>
+              <a:rPr lang="zh-CN" altLang="en-US" dirty="0"/>
+              <a:t>⑬</a:t>
             </a:r>
             <a:endParaRPr kumimoji="1" lang="zh-CN" altLang="en-US" dirty="0"/>
           </a:p>
